--- a/Pollit.pptx
+++ b/Pollit.pptx
@@ -8,7 +8,7 @@
     <p:sldId id="256" r:id="rId2"/>
     <p:sldId id="257" r:id="rId3"/>
     <p:sldId id="258" r:id="rId4"/>
-    <p:sldId id="259" r:id="rId5"/>
+    <p:sldId id="260" r:id="rId5"/>
   </p:sldIdLst>
   <p:sldSz cx="12192000" cy="6858000"/>
   <p:notesSz cx="6858000" cy="9144000"/>
@@ -107,6 +107,11 @@
       </a:defRPr>
     </a:lvl9pPr>
   </p:defaultTextStyle>
+  <p:extLst>
+    <p:ext uri="{EFAFB233-063F-42B5-8137-9DF3F51BA10A}">
+      <p15:sldGuideLst xmlns:p15="http://schemas.microsoft.com/office/powerpoint/2012/main"/>
+    </p:ext>
+  </p:extLst>
 </p:presentation>
 </file>
 
@@ -307,7 +312,7 @@
             <a:fld id="{96DFF08F-DC6B-4601-B491-B0F83F6DD2DA}" type="datetimeFigureOut">
               <a:rPr lang="en-US" smtClean="0"/>
               <a:pPr/>
-              <a:t>3/25/2019</a:t>
+              <a:t>3/27/2019</a:t>
             </a:fld>
             <a:endParaRPr lang="en-US" dirty="0"/>
           </a:p>
@@ -529,7 +534,7 @@
           <a:p>
             <a:fld id="{96DFF08F-DC6B-4601-B491-B0F83F6DD2DA}" type="datetimeFigureOut">
               <a:rPr lang="en-US" smtClean="0"/>
-              <a:t>3/25/2019</a:t>
+              <a:t>3/27/2019</a:t>
             </a:fld>
             <a:endParaRPr lang="en-US" dirty="0"/>
           </a:p>
@@ -709,7 +714,7 @@
           <a:p>
             <a:fld id="{96DFF08F-DC6B-4601-B491-B0F83F6DD2DA}" type="datetimeFigureOut">
               <a:rPr lang="en-US" smtClean="0"/>
-              <a:t>3/25/2019</a:t>
+              <a:t>3/27/2019</a:t>
             </a:fld>
             <a:endParaRPr lang="en-US" dirty="0"/>
           </a:p>
@@ -879,7 +884,7 @@
           <a:p>
             <a:fld id="{96DFF08F-DC6B-4601-B491-B0F83F6DD2DA}" type="datetimeFigureOut">
               <a:rPr lang="en-US" smtClean="0"/>
-              <a:t>3/25/2019</a:t>
+              <a:t>3/27/2019</a:t>
             </a:fld>
             <a:endParaRPr lang="en-US" dirty="0"/>
           </a:p>
@@ -1130,7 +1135,7 @@
           <a:p>
             <a:fld id="{96DFF08F-DC6B-4601-B491-B0F83F6DD2DA}" type="datetimeFigureOut">
               <a:rPr lang="en-US" smtClean="0"/>
-              <a:t>3/25/2019</a:t>
+              <a:t>3/27/2019</a:t>
             </a:fld>
             <a:endParaRPr lang="en-US" dirty="0"/>
           </a:p>
@@ -1453,7 +1458,7 @@
           <a:p>
             <a:fld id="{96DFF08F-DC6B-4601-B491-B0F83F6DD2DA}" type="datetimeFigureOut">
               <a:rPr lang="en-US" smtClean="0"/>
-              <a:t>3/25/2019</a:t>
+              <a:t>3/27/2019</a:t>
             </a:fld>
             <a:endParaRPr lang="en-US" dirty="0"/>
           </a:p>
@@ -1877,7 +1882,7 @@
           <a:p>
             <a:fld id="{96DFF08F-DC6B-4601-B491-B0F83F6DD2DA}" type="datetimeFigureOut">
               <a:rPr lang="en-US" smtClean="0"/>
-              <a:t>3/25/2019</a:t>
+              <a:t>3/27/2019</a:t>
             </a:fld>
             <a:endParaRPr lang="en-US" dirty="0"/>
           </a:p>
@@ -1995,7 +2000,7 @@
           <a:p>
             <a:fld id="{96DFF08F-DC6B-4601-B491-B0F83F6DD2DA}" type="datetimeFigureOut">
               <a:rPr lang="en-US" smtClean="0"/>
-              <a:t>3/25/2019</a:t>
+              <a:t>3/27/2019</a:t>
             </a:fld>
             <a:endParaRPr lang="en-US" dirty="0"/>
           </a:p>
@@ -2090,7 +2095,7 @@
           <a:p>
             <a:fld id="{96DFF08F-DC6B-4601-B491-B0F83F6DD2DA}" type="datetimeFigureOut">
               <a:rPr lang="en-US" smtClean="0"/>
-              <a:t>3/25/2019</a:t>
+              <a:t>3/27/2019</a:t>
             </a:fld>
             <a:endParaRPr lang="en-US" dirty="0"/>
           </a:p>
@@ -2380,7 +2385,7 @@
           <a:p>
             <a:fld id="{96DFF08F-DC6B-4601-B491-B0F83F6DD2DA}" type="datetimeFigureOut">
               <a:rPr lang="en-US" smtClean="0"/>
-              <a:t>3/25/2019</a:t>
+              <a:t>3/27/2019</a:t>
             </a:fld>
             <a:endParaRPr lang="en-US" dirty="0"/>
           </a:p>
@@ -2652,7 +2657,7 @@
           <a:p>
             <a:fld id="{96DFF08F-DC6B-4601-B491-B0F83F6DD2DA}" type="datetimeFigureOut">
               <a:rPr lang="en-US" smtClean="0"/>
-              <a:t>3/25/2019</a:t>
+              <a:t>3/27/2019</a:t>
             </a:fld>
             <a:endParaRPr lang="en-US" dirty="0"/>
           </a:p>
@@ -2907,7 +2912,7 @@
             <a:fld id="{96DFF08F-DC6B-4601-B491-B0F83F6DD2DA}" type="datetimeFigureOut">
               <a:rPr lang="en-US" smtClean="0"/>
               <a:pPr/>
-              <a:t>3/25/2019</a:t>
+              <a:t>3/27/2019</a:t>
             </a:fld>
             <a:endParaRPr lang="en-US" dirty="0"/>
           </a:p>
@@ -3497,6 +3502,41 @@
           </a:p>
         </p:txBody>
       </p:sp>
+      <p:pic>
+        <p:nvPicPr>
+          <p:cNvPr id="4" name="Рисунок 3"/>
+          <p:cNvPicPr/>
+          <p:nvPr/>
+        </p:nvPicPr>
+        <p:blipFill rotWithShape="1">
+          <a:blip r:embed="rId2" cstate="print">
+            <a:extLst>
+              <a:ext uri="{28A0092B-C50C-407E-A947-70E740481C1C}">
+                <a14:useLocalDpi xmlns:a14="http://schemas.microsoft.com/office/drawing/2010/main" val="0"/>
+              </a:ext>
+            </a:extLst>
+          </a:blip>
+          <a:srcRect t="4333" b="5265"/>
+          <a:stretch/>
+        </p:blipFill>
+        <p:spPr bwMode="auto">
+          <a:xfrm>
+            <a:off x="6302014" y="3605842"/>
+            <a:ext cx="5203235" cy="2645434"/>
+          </a:xfrm>
+          <a:prstGeom prst="rect">
+            <a:avLst/>
+          </a:prstGeom>
+          <a:ln>
+            <a:noFill/>
+          </a:ln>
+          <a:extLst>
+            <a:ext uri="{53640926-AAD7-44D8-BBD7-CCE9431645EC}">
+              <a14:shadowObscured xmlns:a14="http://schemas.microsoft.com/office/drawing/2010/main"/>
+            </a:ext>
+          </a:extLst>
+        </p:spPr>
+      </p:pic>
     </p:spTree>
     <p:extLst>
       <p:ext uri="{BB962C8B-B14F-4D97-AF65-F5344CB8AC3E}">
@@ -3735,40 +3775,401 @@
           <a:lstStyle/>
           <a:p>
             <a:r>
-              <a:rPr lang="ru-RU" dirty="0" smtClean="0"/>
+              <a:rPr lang="ru-RU" dirty="0"/>
               <a:t>Заключение</a:t>
             </a:r>
-            <a:endParaRPr lang="ru-RU" dirty="0"/>
-          </a:p>
-        </p:txBody>
-      </p:sp>
-      <p:pic>
-        <p:nvPicPr>
-          <p:cNvPr id="4" name="Рисунок 3"/>
-          <p:cNvPicPr>
-            <a:picLocks noChangeAspect="1"/>
-          </p:cNvPicPr>
-          <p:nvPr/>
-        </p:nvPicPr>
-        <p:blipFill rotWithShape="1">
-          <a:blip r:embed="rId2"/>
-          <a:srcRect t="8077" b="5000"/>
-          <a:stretch/>
-        </p:blipFill>
+          </a:p>
+        </p:txBody>
+      </p:sp>
+      <p:sp>
+        <p:nvSpPr>
+          <p:cNvPr id="3" name="Объект 2"/>
+          <p:cNvSpPr>
+            <a:spLocks noGrp="1"/>
+          </p:cNvSpPr>
+          <p:nvPr>
+            <p:ph idx="1"/>
+          </p:nvPr>
+        </p:nvSpPr>
         <p:spPr>
           <a:xfrm>
-            <a:off x="1582615" y="1965960"/>
-            <a:ext cx="8115301" cy="3967915"/>
+            <a:off x="978235" y="1781355"/>
+            <a:ext cx="5102525" cy="4038600"/>
+          </a:xfrm>
+        </p:spPr>
+        <p:txBody>
+          <a:bodyPr>
+            <a:noAutofit/>
+          </a:bodyPr>
+          <a:lstStyle/>
+          <a:p>
+            <a:r>
+              <a:rPr lang="ru-RU" sz="2400" dirty="0" smtClean="0"/>
+              <a:t>Что мне удалось осуществить:</a:t>
+            </a:r>
+          </a:p>
+          <a:p>
+            <a:pPr marL="502920" indent="-457200">
+              <a:buFont typeface="+mj-lt"/>
+              <a:buAutoNum type="arabicPeriod"/>
+            </a:pPr>
+            <a:r>
+              <a:rPr lang="ru-RU" sz="2400" dirty="0" smtClean="0"/>
+              <a:t>Регистрация и авторизация пользователя</a:t>
+            </a:r>
+          </a:p>
+          <a:p>
+            <a:pPr marL="502920" indent="-457200">
+              <a:buFont typeface="+mj-lt"/>
+              <a:buAutoNum type="arabicPeriod"/>
+            </a:pPr>
+            <a:r>
+              <a:rPr lang="ru-RU" sz="2400" dirty="0" smtClean="0"/>
+              <a:t>Создание и редактирование сообщества</a:t>
+            </a:r>
+          </a:p>
+          <a:p>
+            <a:pPr marL="502920" indent="-457200">
+              <a:buFont typeface="+mj-lt"/>
+              <a:buAutoNum type="arabicPeriod"/>
+            </a:pPr>
+            <a:r>
+              <a:rPr lang="ru-RU" sz="2400" dirty="0" smtClean="0"/>
+              <a:t>Создание, редактирование и удаление новостей</a:t>
+            </a:r>
+          </a:p>
+          <a:p>
+            <a:pPr marL="502920" indent="-457200">
+              <a:buFont typeface="+mj-lt"/>
+              <a:buAutoNum type="arabicPeriod"/>
+            </a:pPr>
+            <a:r>
+              <a:rPr lang="ru-RU" sz="2400" dirty="0" smtClean="0"/>
+              <a:t>Возможность прикрепить картинку к новости</a:t>
+            </a:r>
+          </a:p>
+          <a:p>
+            <a:pPr marL="502920" indent="-457200">
+              <a:buFont typeface="+mj-lt"/>
+              <a:buAutoNum type="arabicPeriod"/>
+            </a:pPr>
+            <a:r>
+              <a:rPr lang="ru-RU" sz="2400" dirty="0" smtClean="0"/>
+              <a:t>Новостная лента с сортировкой по времени</a:t>
+            </a:r>
+          </a:p>
+        </p:txBody>
+      </p:sp>
+      <p:sp>
+        <p:nvSpPr>
+          <p:cNvPr id="4" name="Объект 2"/>
+          <p:cNvSpPr txBox="1">
+            <a:spLocks/>
+          </p:cNvSpPr>
+          <p:nvPr/>
+        </p:nvSpPr>
+        <p:spPr>
+          <a:xfrm>
+            <a:off x="6848511" y="1781355"/>
+            <a:ext cx="4481423" cy="4038600"/>
           </a:xfrm>
           <a:prstGeom prst="rect">
             <a:avLst/>
           </a:prstGeom>
         </p:spPr>
-      </p:pic>
+        <p:txBody>
+          <a:bodyPr vert="horz" lIns="91440" tIns="45720" rIns="91440" bIns="45720" rtlCol="0">
+            <a:normAutofit/>
+          </a:bodyPr>
+          <a:lstStyle>
+            <a:lvl1pPr marL="228600" indent="-182880" algn="l" defTabSz="914400" rtl="0" eaLnBrk="1" latinLnBrk="0" hangingPunct="1">
+              <a:lnSpc>
+                <a:spcPct val="90000"/>
+              </a:lnSpc>
+              <a:spcBef>
+                <a:spcPts val="1400"/>
+              </a:spcBef>
+              <a:buClr>
+                <a:schemeClr val="accent1"/>
+              </a:buClr>
+              <a:buSzPct val="80000"/>
+              <a:buFont typeface="Corbel" pitchFamily="34" charset="0"/>
+              <a:buChar char="•"/>
+              <a:defRPr sz="2200" kern="1200">
+                <a:solidFill>
+                  <a:schemeClr val="accent1"/>
+                </a:solidFill>
+                <a:latin typeface="+mn-lt"/>
+                <a:ea typeface="+mn-ea"/>
+                <a:cs typeface="+mn-cs"/>
+              </a:defRPr>
+            </a:lvl1pPr>
+            <a:lvl2pPr marL="457200" indent="-182880" algn="l" defTabSz="914400" rtl="0" eaLnBrk="1" latinLnBrk="0" hangingPunct="1">
+              <a:lnSpc>
+                <a:spcPct val="90000"/>
+              </a:lnSpc>
+              <a:spcBef>
+                <a:spcPts val="200"/>
+              </a:spcBef>
+              <a:spcAft>
+                <a:spcPts val="400"/>
+              </a:spcAft>
+              <a:buClr>
+                <a:schemeClr val="accent1"/>
+              </a:buClr>
+              <a:buSzPct val="80000"/>
+              <a:buFont typeface="Corbel" pitchFamily="34" charset="0"/>
+              <a:buChar char="•"/>
+              <a:defRPr sz="2000" kern="1200">
+                <a:solidFill>
+                  <a:schemeClr val="accent1"/>
+                </a:solidFill>
+                <a:latin typeface="+mn-lt"/>
+                <a:ea typeface="+mn-ea"/>
+                <a:cs typeface="+mn-cs"/>
+              </a:defRPr>
+            </a:lvl2pPr>
+            <a:lvl3pPr marL="731520" indent="-182880" algn="l" defTabSz="914400" rtl="0" eaLnBrk="1" latinLnBrk="0" hangingPunct="1">
+              <a:lnSpc>
+                <a:spcPct val="90000"/>
+              </a:lnSpc>
+              <a:spcBef>
+                <a:spcPts val="200"/>
+              </a:spcBef>
+              <a:spcAft>
+                <a:spcPts val="400"/>
+              </a:spcAft>
+              <a:buClr>
+                <a:schemeClr val="accent1"/>
+              </a:buClr>
+              <a:buSzPct val="80000"/>
+              <a:buFont typeface="Corbel" pitchFamily="34" charset="0"/>
+              <a:buChar char="•"/>
+              <a:defRPr sz="1800" kern="1200">
+                <a:solidFill>
+                  <a:schemeClr val="accent1"/>
+                </a:solidFill>
+                <a:latin typeface="+mn-lt"/>
+                <a:ea typeface="+mn-ea"/>
+                <a:cs typeface="+mn-cs"/>
+              </a:defRPr>
+            </a:lvl3pPr>
+            <a:lvl4pPr marL="1005840" indent="-182880" algn="l" defTabSz="914400" rtl="0" eaLnBrk="1" latinLnBrk="0" hangingPunct="1">
+              <a:lnSpc>
+                <a:spcPct val="90000"/>
+              </a:lnSpc>
+              <a:spcBef>
+                <a:spcPts val="200"/>
+              </a:spcBef>
+              <a:spcAft>
+                <a:spcPts val="400"/>
+              </a:spcAft>
+              <a:buClr>
+                <a:schemeClr val="accent1"/>
+              </a:buClr>
+              <a:buSzPct val="80000"/>
+              <a:buFont typeface="Corbel" pitchFamily="34" charset="0"/>
+              <a:buChar char="•"/>
+              <a:defRPr sz="1600" kern="1200">
+                <a:solidFill>
+                  <a:schemeClr val="accent1"/>
+                </a:solidFill>
+                <a:latin typeface="+mn-lt"/>
+                <a:ea typeface="+mn-ea"/>
+                <a:cs typeface="+mn-cs"/>
+              </a:defRPr>
+            </a:lvl4pPr>
+            <a:lvl5pPr marL="1280160" indent="-182880" algn="l" defTabSz="914400" rtl="0" eaLnBrk="1" latinLnBrk="0" hangingPunct="1">
+              <a:lnSpc>
+                <a:spcPct val="90000"/>
+              </a:lnSpc>
+              <a:spcBef>
+                <a:spcPts val="200"/>
+              </a:spcBef>
+              <a:spcAft>
+                <a:spcPts val="400"/>
+              </a:spcAft>
+              <a:buClr>
+                <a:schemeClr val="accent1"/>
+              </a:buClr>
+              <a:buSzPct val="80000"/>
+              <a:buFont typeface="Corbel" pitchFamily="34" charset="0"/>
+              <a:buChar char="•"/>
+              <a:defRPr sz="1600" kern="1200">
+                <a:solidFill>
+                  <a:schemeClr val="accent1"/>
+                </a:solidFill>
+                <a:latin typeface="+mn-lt"/>
+                <a:ea typeface="+mn-ea"/>
+                <a:cs typeface="+mn-cs"/>
+              </a:defRPr>
+            </a:lvl5pPr>
+            <a:lvl6pPr marL="1600000" indent="-228600" algn="l" defTabSz="914400" rtl="0" eaLnBrk="1" latinLnBrk="0" hangingPunct="1">
+              <a:lnSpc>
+                <a:spcPct val="90000"/>
+              </a:lnSpc>
+              <a:spcBef>
+                <a:spcPts val="200"/>
+              </a:spcBef>
+              <a:spcAft>
+                <a:spcPts val="400"/>
+              </a:spcAft>
+              <a:buClr>
+                <a:schemeClr val="accent1"/>
+              </a:buClr>
+              <a:buSzPct val="80000"/>
+              <a:buFont typeface="Corbel" pitchFamily="34" charset="0"/>
+              <a:buChar char="•"/>
+              <a:defRPr sz="1600" kern="1200">
+                <a:solidFill>
+                  <a:schemeClr val="accent1"/>
+                </a:solidFill>
+                <a:latin typeface="+mn-lt"/>
+                <a:ea typeface="+mn-ea"/>
+                <a:cs typeface="+mn-cs"/>
+              </a:defRPr>
+            </a:lvl6pPr>
+            <a:lvl7pPr marL="1900000" indent="-228600" algn="l" defTabSz="914400" rtl="0" eaLnBrk="1" latinLnBrk="0" hangingPunct="1">
+              <a:lnSpc>
+                <a:spcPct val="90000"/>
+              </a:lnSpc>
+              <a:spcBef>
+                <a:spcPts val="200"/>
+              </a:spcBef>
+              <a:spcAft>
+                <a:spcPts val="400"/>
+              </a:spcAft>
+              <a:buClr>
+                <a:schemeClr val="accent1"/>
+              </a:buClr>
+              <a:buSzPct val="80000"/>
+              <a:buFont typeface="Corbel" pitchFamily="34" charset="0"/>
+              <a:buChar char="•"/>
+              <a:defRPr sz="1600" kern="1200">
+                <a:solidFill>
+                  <a:schemeClr val="accent1"/>
+                </a:solidFill>
+                <a:latin typeface="+mn-lt"/>
+                <a:ea typeface="+mn-ea"/>
+                <a:cs typeface="+mn-cs"/>
+              </a:defRPr>
+            </a:lvl7pPr>
+            <a:lvl8pPr marL="2200000" indent="-228600" algn="l" defTabSz="914400" rtl="0" eaLnBrk="1" latinLnBrk="0" hangingPunct="1">
+              <a:lnSpc>
+                <a:spcPct val="90000"/>
+              </a:lnSpc>
+              <a:spcBef>
+                <a:spcPts val="200"/>
+              </a:spcBef>
+              <a:spcAft>
+                <a:spcPts val="400"/>
+              </a:spcAft>
+              <a:buClr>
+                <a:schemeClr val="accent1"/>
+              </a:buClr>
+              <a:buSzPct val="80000"/>
+              <a:buFont typeface="Corbel" pitchFamily="34" charset="0"/>
+              <a:buChar char="•"/>
+              <a:defRPr sz="1600" kern="1200">
+                <a:solidFill>
+                  <a:schemeClr val="accent1"/>
+                </a:solidFill>
+                <a:latin typeface="+mn-lt"/>
+                <a:ea typeface="+mn-ea"/>
+                <a:cs typeface="+mn-cs"/>
+              </a:defRPr>
+            </a:lvl8pPr>
+            <a:lvl9pPr marL="2500000" indent="-228600" algn="l" defTabSz="914400" rtl="0" eaLnBrk="1" latinLnBrk="0" hangingPunct="1">
+              <a:lnSpc>
+                <a:spcPct val="90000"/>
+              </a:lnSpc>
+              <a:spcBef>
+                <a:spcPts val="200"/>
+              </a:spcBef>
+              <a:spcAft>
+                <a:spcPts val="400"/>
+              </a:spcAft>
+              <a:buClr>
+                <a:schemeClr val="accent1"/>
+              </a:buClr>
+              <a:buSzPct val="80000"/>
+              <a:buFont typeface="Corbel" pitchFamily="34" charset="0"/>
+              <a:buChar char="•"/>
+              <a:defRPr sz="1600" kern="1200">
+                <a:solidFill>
+                  <a:schemeClr val="accent1"/>
+                </a:solidFill>
+                <a:latin typeface="+mn-lt"/>
+                <a:ea typeface="+mn-ea"/>
+                <a:cs typeface="+mn-cs"/>
+              </a:defRPr>
+            </a:lvl9pPr>
+          </a:lstStyle>
+          <a:p>
+            <a:r>
+              <a:rPr lang="ru-RU" sz="2400" dirty="0" smtClean="0"/>
+              <a:t>Перспективы:</a:t>
+            </a:r>
+          </a:p>
+          <a:p>
+            <a:pPr marL="388620" indent="-342900">
+              <a:buFont typeface="+mj-lt"/>
+              <a:buAutoNum type="arabicPeriod"/>
+            </a:pPr>
+            <a:r>
+              <a:rPr lang="ru-RU" sz="2400" dirty="0" smtClean="0"/>
+              <a:t>Система </a:t>
+            </a:r>
+            <a:r>
+              <a:rPr lang="ru-RU" sz="2400" dirty="0" err="1" smtClean="0"/>
+              <a:t>лайков</a:t>
+            </a:r>
+            <a:r>
+              <a:rPr lang="ru-RU" sz="2400" dirty="0" smtClean="0"/>
+              <a:t> и </a:t>
+            </a:r>
+            <a:r>
+              <a:rPr lang="ru-RU" sz="2400" dirty="0" err="1" smtClean="0"/>
+              <a:t>дизлайков</a:t>
+            </a:r>
+            <a:endParaRPr lang="ru-RU" sz="2400" dirty="0" smtClean="0"/>
+          </a:p>
+          <a:p>
+            <a:pPr marL="388620" indent="-342900">
+              <a:buFont typeface="+mj-lt"/>
+              <a:buAutoNum type="arabicPeriod"/>
+            </a:pPr>
+            <a:r>
+              <a:rPr lang="ru-RU" sz="2400" dirty="0" smtClean="0"/>
+              <a:t>Сортировка по лайкам</a:t>
+            </a:r>
+          </a:p>
+          <a:p>
+            <a:pPr marL="388620" indent="-342900">
+              <a:buFont typeface="+mj-lt"/>
+              <a:buAutoNum type="arabicPeriod"/>
+            </a:pPr>
+            <a:r>
+              <a:rPr lang="ru-RU" sz="2400" dirty="0" smtClean="0"/>
+              <a:t>Подписка на пользователя</a:t>
+            </a:r>
+          </a:p>
+          <a:p>
+            <a:pPr marL="388620" indent="-342900">
+              <a:buFont typeface="+mj-lt"/>
+              <a:buAutoNum type="arabicPeriod"/>
+            </a:pPr>
+            <a:r>
+              <a:rPr lang="ru-RU" sz="2400" dirty="0" smtClean="0"/>
+              <a:t>Комментарии</a:t>
+            </a:r>
+          </a:p>
+        </p:txBody>
+      </p:sp>
     </p:spTree>
     <p:extLst>
       <p:ext uri="{BB962C8B-B14F-4D97-AF65-F5344CB8AC3E}">
-        <p14:creationId xmlns:p14="http://schemas.microsoft.com/office/powerpoint/2010/main" val="2057475623"/>
+        <p14:creationId xmlns:p14="http://schemas.microsoft.com/office/powerpoint/2010/main" val="1369038574"/>
       </p:ext>
     </p:extLst>
   </p:cSld>
